--- a/slides/git.pptx
+++ b/slides/git.pptx
@@ -4389,7 +4389,19 @@
           <a:p>
             <a:r>
               <a:rPr lang="en-US" b="1" dirty="0"/>
-              <a:t>git push origin main</a:t>
+              <a:t>git push origin main                </a:t>
+            </a:r>
+            <a:r>
+              <a:rPr lang="en-US" dirty="0"/>
+              <a:t> (</a:t>
+            </a:r>
+            <a:r>
+              <a:rPr lang="en-US" b="1" dirty="0"/>
+              <a:t>main</a:t>
+            </a:r>
+            <a:r>
+              <a:rPr lang="en-US" dirty="0"/>
+              <a:t> could be master)</a:t>
             </a:r>
           </a:p>
           <a:p>
